--- a/presentation/Python-Introduction-Kaushalya-V1.pptx
+++ b/presentation/Python-Introduction-Kaushalya-V1.pptx
@@ -279,7 +279,7 @@
           <a:p>
             <a:fld id="{B3B48485-EDEB-4E5A-BB3A-BC2391E627B4}" type="datetimeFigureOut">
               <a:rPr lang="en-IN" smtClean="0"/>
-              <a:t>24-10-2019</a:t>
+              <a:t>05-02-2020</a:t>
             </a:fld>
             <a:endParaRPr lang="en-IN"/>
           </a:p>
@@ -479,7 +479,7 @@
           <a:p>
             <a:fld id="{B3B48485-EDEB-4E5A-BB3A-BC2391E627B4}" type="datetimeFigureOut">
               <a:rPr lang="en-IN" smtClean="0"/>
-              <a:t>24-10-2019</a:t>
+              <a:t>05-02-2020</a:t>
             </a:fld>
             <a:endParaRPr lang="en-IN"/>
           </a:p>
@@ -689,7 +689,7 @@
           <a:p>
             <a:fld id="{B3B48485-EDEB-4E5A-BB3A-BC2391E627B4}" type="datetimeFigureOut">
               <a:rPr lang="en-IN" smtClean="0"/>
-              <a:t>24-10-2019</a:t>
+              <a:t>05-02-2020</a:t>
             </a:fld>
             <a:endParaRPr lang="en-IN"/>
           </a:p>
@@ -889,7 +889,7 @@
           <a:p>
             <a:fld id="{B3B48485-EDEB-4E5A-BB3A-BC2391E627B4}" type="datetimeFigureOut">
               <a:rPr lang="en-IN" smtClean="0"/>
-              <a:t>24-10-2019</a:t>
+              <a:t>05-02-2020</a:t>
             </a:fld>
             <a:endParaRPr lang="en-IN"/>
           </a:p>
@@ -1165,7 +1165,7 @@
           <a:p>
             <a:fld id="{B3B48485-EDEB-4E5A-BB3A-BC2391E627B4}" type="datetimeFigureOut">
               <a:rPr lang="en-IN" smtClean="0"/>
-              <a:t>24-10-2019</a:t>
+              <a:t>05-02-2020</a:t>
             </a:fld>
             <a:endParaRPr lang="en-IN"/>
           </a:p>
@@ -1433,7 +1433,7 @@
           <a:p>
             <a:fld id="{B3B48485-EDEB-4E5A-BB3A-BC2391E627B4}" type="datetimeFigureOut">
               <a:rPr lang="en-IN" smtClean="0"/>
-              <a:t>24-10-2019</a:t>
+              <a:t>05-02-2020</a:t>
             </a:fld>
             <a:endParaRPr lang="en-IN"/>
           </a:p>
@@ -1848,7 +1848,7 @@
           <a:p>
             <a:fld id="{B3B48485-EDEB-4E5A-BB3A-BC2391E627B4}" type="datetimeFigureOut">
               <a:rPr lang="en-IN" smtClean="0"/>
-              <a:t>24-10-2019</a:t>
+              <a:t>05-02-2020</a:t>
             </a:fld>
             <a:endParaRPr lang="en-IN"/>
           </a:p>
@@ -1990,7 +1990,7 @@
           <a:p>
             <a:fld id="{B3B48485-EDEB-4E5A-BB3A-BC2391E627B4}" type="datetimeFigureOut">
               <a:rPr lang="en-IN" smtClean="0"/>
-              <a:t>24-10-2019</a:t>
+              <a:t>05-02-2020</a:t>
             </a:fld>
             <a:endParaRPr lang="en-IN"/>
           </a:p>
@@ -2103,7 +2103,7 @@
           <a:p>
             <a:fld id="{B3B48485-EDEB-4E5A-BB3A-BC2391E627B4}" type="datetimeFigureOut">
               <a:rPr lang="en-IN" smtClean="0"/>
-              <a:t>24-10-2019</a:t>
+              <a:t>05-02-2020</a:t>
             </a:fld>
             <a:endParaRPr lang="en-IN"/>
           </a:p>
@@ -2416,7 +2416,7 @@
           <a:p>
             <a:fld id="{B3B48485-EDEB-4E5A-BB3A-BC2391E627B4}" type="datetimeFigureOut">
               <a:rPr lang="en-IN" smtClean="0"/>
-              <a:t>24-10-2019</a:t>
+              <a:t>05-02-2020</a:t>
             </a:fld>
             <a:endParaRPr lang="en-IN"/>
           </a:p>
@@ -2705,7 +2705,7 @@
           <a:p>
             <a:fld id="{B3B48485-EDEB-4E5A-BB3A-BC2391E627B4}" type="datetimeFigureOut">
               <a:rPr lang="en-IN" smtClean="0"/>
-              <a:t>24-10-2019</a:t>
+              <a:t>05-02-2020</a:t>
             </a:fld>
             <a:endParaRPr lang="en-IN"/>
           </a:p>
@@ -2948,7 +2948,7 @@
           <a:p>
             <a:fld id="{B3B48485-EDEB-4E5A-BB3A-BC2391E627B4}" type="datetimeFigureOut">
               <a:rPr lang="en-IN" smtClean="0"/>
-              <a:t>24-10-2019</a:t>
+              <a:t>05-02-2020</a:t>
             </a:fld>
             <a:endParaRPr lang="en-IN"/>
           </a:p>
